--- a/stage3.pptx
+++ b/stage3.pptx
@@ -18,7 +18,8 @@
     <p:sldId id="266" r:id="rId12"/>
     <p:sldId id="269" r:id="rId13"/>
     <p:sldId id="268" r:id="rId14"/>
-    <p:sldId id="267" r:id="rId15"/>
+    <p:sldId id="270" r:id="rId15"/>
+    <p:sldId id="267" r:id="rId16"/>
   </p:sldIdLst>
   <p:sldSz cx="9144000" cy="6858000" type="screen4x3"/>
   <p:notesSz cx="6858000" cy="9144000"/>
@@ -302,7 +303,7 @@
             <a:fld id="{5B106E36-FD25-4E2D-B0AA-010F637433A0}" type="datetimeFigureOut">
               <a:rPr lang="ru-RU" smtClean="0"/>
               <a:pPr/>
-              <a:t>26.11.2017</a:t>
+              <a:t>10.12.2017</a:t>
             </a:fld>
             <a:endParaRPr lang="ru-RU"/>
           </a:p>
@@ -469,7 +470,7 @@
             <a:fld id="{5B106E36-FD25-4E2D-B0AA-010F637433A0}" type="datetimeFigureOut">
               <a:rPr lang="ru-RU" smtClean="0"/>
               <a:pPr/>
-              <a:t>26.11.2017</a:t>
+              <a:t>10.12.2017</a:t>
             </a:fld>
             <a:endParaRPr lang="ru-RU"/>
           </a:p>
@@ -646,7 +647,7 @@
             <a:fld id="{5B106E36-FD25-4E2D-B0AA-010F637433A0}" type="datetimeFigureOut">
               <a:rPr lang="ru-RU" smtClean="0"/>
               <a:pPr/>
-              <a:t>26.11.2017</a:t>
+              <a:t>10.12.2017</a:t>
             </a:fld>
             <a:endParaRPr lang="ru-RU"/>
           </a:p>
@@ -813,7 +814,7 @@
             <a:fld id="{5B106E36-FD25-4E2D-B0AA-010F637433A0}" type="datetimeFigureOut">
               <a:rPr lang="ru-RU" smtClean="0"/>
               <a:pPr/>
-              <a:t>26.11.2017</a:t>
+              <a:t>10.12.2017</a:t>
             </a:fld>
             <a:endParaRPr lang="ru-RU"/>
           </a:p>
@@ -1056,7 +1057,7 @@
             <a:fld id="{5B106E36-FD25-4E2D-B0AA-010F637433A0}" type="datetimeFigureOut">
               <a:rPr lang="ru-RU" smtClean="0"/>
               <a:pPr/>
-              <a:t>26.11.2017</a:t>
+              <a:t>10.12.2017</a:t>
             </a:fld>
             <a:endParaRPr lang="ru-RU"/>
           </a:p>
@@ -1341,7 +1342,7 @@
             <a:fld id="{5B106E36-FD25-4E2D-B0AA-010F637433A0}" type="datetimeFigureOut">
               <a:rPr lang="ru-RU" smtClean="0"/>
               <a:pPr/>
-              <a:t>26.11.2017</a:t>
+              <a:t>10.12.2017</a:t>
             </a:fld>
             <a:endParaRPr lang="ru-RU"/>
           </a:p>
@@ -1760,7 +1761,7 @@
             <a:fld id="{5B106E36-FD25-4E2D-B0AA-010F637433A0}" type="datetimeFigureOut">
               <a:rPr lang="ru-RU" smtClean="0"/>
               <a:pPr/>
-              <a:t>26.11.2017</a:t>
+              <a:t>10.12.2017</a:t>
             </a:fld>
             <a:endParaRPr lang="ru-RU"/>
           </a:p>
@@ -1875,7 +1876,7 @@
             <a:fld id="{5B106E36-FD25-4E2D-B0AA-010F637433A0}" type="datetimeFigureOut">
               <a:rPr lang="ru-RU" smtClean="0"/>
               <a:pPr/>
-              <a:t>26.11.2017</a:t>
+              <a:t>10.12.2017</a:t>
             </a:fld>
             <a:endParaRPr lang="ru-RU"/>
           </a:p>
@@ -1967,7 +1968,7 @@
             <a:fld id="{5B106E36-FD25-4E2D-B0AA-010F637433A0}" type="datetimeFigureOut">
               <a:rPr lang="ru-RU" smtClean="0"/>
               <a:pPr/>
-              <a:t>26.11.2017</a:t>
+              <a:t>10.12.2017</a:t>
             </a:fld>
             <a:endParaRPr lang="ru-RU"/>
           </a:p>
@@ -2241,7 +2242,7 @@
             <a:fld id="{5B106E36-FD25-4E2D-B0AA-010F637433A0}" type="datetimeFigureOut">
               <a:rPr lang="ru-RU" smtClean="0"/>
               <a:pPr/>
-              <a:t>26.11.2017</a:t>
+              <a:t>10.12.2017</a:t>
             </a:fld>
             <a:endParaRPr lang="ru-RU"/>
           </a:p>
@@ -2491,7 +2492,7 @@
             <a:fld id="{5B106E36-FD25-4E2D-B0AA-010F637433A0}" type="datetimeFigureOut">
               <a:rPr lang="ru-RU" smtClean="0"/>
               <a:pPr/>
-              <a:t>26.11.2017</a:t>
+              <a:t>10.12.2017</a:t>
             </a:fld>
             <a:endParaRPr lang="ru-RU"/>
           </a:p>
@@ -2710,7 +2711,7 @@
             <a:fld id="{5B106E36-FD25-4E2D-B0AA-010F637433A0}" type="datetimeFigureOut">
               <a:rPr lang="ru-RU" smtClean="0"/>
               <a:pPr/>
-              <a:t>26.11.2017</a:t>
+              <a:t>10.12.2017</a:t>
             </a:fld>
             <a:endParaRPr lang="ru-RU"/>
           </a:p>
@@ -3251,13 +3252,13 @@
       </p:sp>
       <p:pic>
         <p:nvPicPr>
-          <p:cNvPr id="2051" name="Picture 3"/>
+          <p:cNvPr id="2050" name="Picture 2"/>
           <p:cNvPicPr>
             <a:picLocks noChangeAspect="1" noChangeArrowheads="1"/>
           </p:cNvPicPr>
           <p:nvPr/>
         </p:nvPicPr>
-        <p:blipFill>
+        <p:blipFill rotWithShape="1">
           <a:blip r:embed="rId2">
             <a:extLst>
               <a:ext uri="{28A0092B-C50C-407E-A947-70E740481C1C}">
@@ -3265,15 +3266,13 @@
               </a:ext>
             </a:extLst>
           </a:blip>
-          <a:srcRect/>
-          <a:stretch>
-            <a:fillRect/>
-          </a:stretch>
+          <a:srcRect t="6447"/>
+          <a:stretch/>
         </p:blipFill>
         <p:spPr bwMode="auto">
           <a:xfrm>
-            <a:off x="1323234" y="1623044"/>
-            <a:ext cx="6421327" cy="3816449"/>
+            <a:off x="755576" y="1892300"/>
+            <a:ext cx="7687965" cy="4054674"/>
           </a:xfrm>
           <a:prstGeom prst="rect">
             <a:avLst/>
@@ -3386,20 +3385,20 @@
           <p:nvPr/>
         </p:nvPicPr>
         <p:blipFill rotWithShape="1">
-          <a:blip r:embed="rId2">
+          <a:blip r:embed="rId2" cstate="print">
             <a:extLst>
               <a:ext uri="{28A0092B-C50C-407E-A947-70E740481C1C}">
                 <a14:useLocalDpi xmlns:a14="http://schemas.microsoft.com/office/drawing/2010/main" val="0"/>
               </a:ext>
             </a:extLst>
           </a:blip>
-          <a:srcRect l="9699" r="20677" b="43951"/>
+          <a:srcRect l="9699" r="20677" b="58271"/>
           <a:stretch/>
         </p:blipFill>
         <p:spPr bwMode="auto">
           <a:xfrm>
-            <a:off x="1692265" y="1196752"/>
-            <a:ext cx="5765404" cy="4892078"/>
+            <a:off x="854795" y="1209576"/>
+            <a:ext cx="7358202" cy="4648423"/>
           </a:xfrm>
           <a:prstGeom prst="rect">
             <a:avLst/>
@@ -3505,7 +3504,7 @@
       </p:sp>
       <p:pic>
         <p:nvPicPr>
-          <p:cNvPr id="4098" name="Picture 2"/>
+          <p:cNvPr id="2" name="Picture 2"/>
           <p:cNvPicPr>
             <a:picLocks noChangeAspect="1" noChangeArrowheads="1"/>
           </p:cNvPicPr>
@@ -3519,13 +3518,13 @@
               </a:ext>
             </a:extLst>
           </a:blip>
-          <a:srcRect t="54086"/>
+          <a:srcRect r="1859"/>
           <a:stretch/>
         </p:blipFill>
         <p:spPr bwMode="auto">
           <a:xfrm>
-            <a:off x="445988" y="1666876"/>
-            <a:ext cx="8443909" cy="4086450"/>
+            <a:off x="1173384" y="1117712"/>
+            <a:ext cx="6803163" cy="5373216"/>
           </a:xfrm>
           <a:prstGeom prst="rect">
             <a:avLst/>
@@ -3638,7 +3637,7 @@
           <p:nvPr/>
         </p:nvPicPr>
         <p:blipFill>
-          <a:blip r:embed="rId2">
+          <a:blip r:embed="rId2" cstate="print">
             <a:extLst>
               <a:ext uri="{28A0092B-C50C-407E-A947-70E740481C1C}">
                 <a14:useLocalDpi xmlns:a14="http://schemas.microsoft.com/office/drawing/2010/main" val="0"/>
@@ -3728,8 +3727,8 @@
         </p:nvSpPr>
         <p:spPr>
           <a:xfrm>
-            <a:off x="662228" y="174080"/>
-            <a:ext cx="7743338" cy="646331"/>
+            <a:off x="1475656" y="174080"/>
+            <a:ext cx="6793206" cy="646331"/>
           </a:xfrm>
           <a:prstGeom prst="rect">
             <a:avLst/>
@@ -3747,7 +3746,7 @@
                   <a:schemeClr val="bg1"/>
                 </a:solidFill>
               </a:rPr>
-              <a:t>Обзорная диаграмма взаимодействия</a:t>
+              <a:t>Диаграмма последовательностей</a:t>
             </a:r>
             <a:endParaRPr lang="ru-RU" sz="3600" dirty="0">
               <a:solidFill>
@@ -3759,7 +3758,7 @@
       </p:sp>
       <p:pic>
         <p:nvPicPr>
-          <p:cNvPr id="6147" name="Picture 3"/>
+          <p:cNvPr id="6146" name="Picture 2"/>
           <p:cNvPicPr>
             <a:picLocks noChangeAspect="1" noChangeArrowheads="1"/>
           </p:cNvPicPr>
@@ -3780,8 +3779,136 @@
         </p:blipFill>
         <p:spPr bwMode="auto">
           <a:xfrm>
-            <a:off x="395537" y="820411"/>
-            <a:ext cx="8358390" cy="5704933"/>
+            <a:off x="386408" y="1202060"/>
+            <a:ext cx="8481516" cy="5018162"/>
+          </a:xfrm>
+          <a:prstGeom prst="rect">
+            <a:avLst/>
+          </a:prstGeom>
+          <a:noFill/>
+          <a:ln>
+            <a:noFill/>
+          </a:ln>
+          <a:extLst>
+            <a:ext uri="{909E8E84-426E-40DD-AFC4-6F175D3DCCD1}">
+              <a14:hiddenFill xmlns:a14="http://schemas.microsoft.com/office/drawing/2010/main">
+                <a:solidFill>
+                  <a:schemeClr val="accent1"/>
+                </a:solidFill>
+              </a14:hiddenFill>
+            </a:ext>
+            <a:ext uri="{91240B29-F687-4F45-9708-019B960494DF}">
+              <a14:hiddenLine xmlns:a14="http://schemas.microsoft.com/office/drawing/2010/main" w="9525">
+                <a:solidFill>
+                  <a:schemeClr val="tx1"/>
+                </a:solidFill>
+                <a:miter lim="800000"/>
+                <a:headEnd/>
+                <a:tailEnd/>
+              </a14:hiddenLine>
+            </a:ext>
+          </a:extLst>
+        </p:spPr>
+      </p:pic>
+    </p:spTree>
+    <p:extLst>
+      <p:ext uri="{BB962C8B-B14F-4D97-AF65-F5344CB8AC3E}">
+        <p14:creationId xmlns:p14="http://schemas.microsoft.com/office/powerpoint/2010/main" val="111712965"/>
+      </p:ext>
+    </p:extLst>
+  </p:cSld>
+  <p:clrMapOvr>
+    <a:masterClrMapping/>
+  </p:clrMapOvr>
+  <p:timing>
+    <p:tnLst>
+      <p:par>
+        <p:cTn id="1" dur="indefinite" restart="never" nodeType="tmRoot"/>
+      </p:par>
+    </p:tnLst>
+  </p:timing>
+</p:sld>
+</file>
+
+<file path=ppt/slides/slide15.xml><?xml version="1.0" encoding="utf-8"?>
+<p:sld xmlns:a="http://schemas.openxmlformats.org/drawingml/2006/main" xmlns:r="http://schemas.openxmlformats.org/officeDocument/2006/relationships" xmlns:p="http://schemas.openxmlformats.org/presentationml/2006/main">
+  <p:cSld>
+    <p:spTree>
+      <p:nvGrpSpPr>
+        <p:cNvPr id="1" name=""/>
+        <p:cNvGrpSpPr/>
+        <p:nvPr/>
+      </p:nvGrpSpPr>
+      <p:grpSpPr>
+        <a:xfrm>
+          <a:off x="0" y="0"/>
+          <a:ext cx="0" cy="0"/>
+          <a:chOff x="0" y="0"/>
+          <a:chExt cx="0" cy="0"/>
+        </a:xfrm>
+      </p:grpSpPr>
+      <p:sp>
+        <p:nvSpPr>
+          <p:cNvPr id="4" name="Прямоугольник 3"/>
+          <p:cNvSpPr/>
+          <p:nvPr/>
+        </p:nvSpPr>
+        <p:spPr>
+          <a:xfrm>
+            <a:off x="662228" y="174080"/>
+            <a:ext cx="7743338" cy="646331"/>
+          </a:xfrm>
+          <a:prstGeom prst="rect">
+            <a:avLst/>
+          </a:prstGeom>
+        </p:spPr>
+        <p:txBody>
+          <a:bodyPr wrap="none">
+            <a:spAutoFit/>
+          </a:bodyPr>
+          <a:lstStyle/>
+          <a:p>
+            <a:r>
+              <a:rPr lang="ru-RU" sz="3600" dirty="0" smtClean="0">
+                <a:solidFill>
+                  <a:schemeClr val="bg1"/>
+                </a:solidFill>
+              </a:rPr>
+              <a:t>Обзорная диаграмма взаимодействия</a:t>
+            </a:r>
+            <a:endParaRPr lang="ru-RU" sz="3600" dirty="0">
+              <a:solidFill>
+                <a:schemeClr val="bg1"/>
+              </a:solidFill>
+            </a:endParaRPr>
+          </a:p>
+        </p:txBody>
+      </p:sp>
+      <p:pic>
+        <p:nvPicPr>
+          <p:cNvPr id="7170" name="Picture 2"/>
+          <p:cNvPicPr>
+            <a:picLocks noChangeAspect="1" noChangeArrowheads="1"/>
+          </p:cNvPicPr>
+          <p:nvPr/>
+        </p:nvPicPr>
+        <p:blipFill>
+          <a:blip r:embed="rId2">
+            <a:extLst>
+              <a:ext uri="{28A0092B-C50C-407E-A947-70E740481C1C}">
+                <a14:useLocalDpi xmlns:a14="http://schemas.microsoft.com/office/drawing/2010/main" val="0"/>
+              </a:ext>
+            </a:extLst>
+          </a:blip>
+          <a:srcRect/>
+          <a:stretch>
+            <a:fillRect/>
+          </a:stretch>
+        </p:blipFill>
+        <p:spPr bwMode="auto">
+          <a:xfrm>
+            <a:off x="1686529" y="820411"/>
+            <a:ext cx="5694735" cy="5802318"/>
           </a:xfrm>
           <a:prstGeom prst="rect">
             <a:avLst/>
@@ -3977,7 +4104,7 @@
       </p:sp>
       <p:pic>
         <p:nvPicPr>
-          <p:cNvPr id="3074" name="Picture 2" descr="C:\Users\Maxim\Desktop\Курач РПС\Диаграмма Классов Сущностей2.png"/>
+          <p:cNvPr id="1026" name="Picture 2" descr="C:\Users\Maxim\Desktop\Курач РПС\Диаграмма Классов Сущностей2.png"/>
           <p:cNvPicPr>
             <a:picLocks noChangeAspect="1" noChangeArrowheads="1"/>
           </p:cNvPicPr>
@@ -3992,8 +4119,8 @@
         </p:blipFill>
         <p:spPr bwMode="auto">
           <a:xfrm>
-            <a:off x="1907704" y="1052736"/>
-            <a:ext cx="5578308" cy="3484786"/>
+            <a:off x="1619672" y="980728"/>
+            <a:ext cx="5872406" cy="3389536"/>
           </a:xfrm>
           <a:prstGeom prst="rect">
             <a:avLst/>
@@ -4072,7 +4199,7 @@
       </p:sp>
       <p:pic>
         <p:nvPicPr>
-          <p:cNvPr id="6146" name="Picture 2" descr="https://pp.userapi.com/c840525/v840525054/26376/Glvqx-bLdRk.jpg"/>
+          <p:cNvPr id="13314" name="Picture 2" descr="https://pp.userapi.com/c836434/v836434607/5f4e7/wC4t0qJqzRg.jpg"/>
           <p:cNvPicPr>
             <a:picLocks noChangeAspect="1" noChangeArrowheads="1"/>
           </p:cNvPicPr>
@@ -4087,8 +4214,8 @@
         </p:blipFill>
         <p:spPr bwMode="auto">
           <a:xfrm>
-            <a:off x="539552" y="1196752"/>
-            <a:ext cx="8244408" cy="3524826"/>
+            <a:off x="683568" y="1124744"/>
+            <a:ext cx="7956376" cy="3298985"/>
           </a:xfrm>
           <a:prstGeom prst="rect">
             <a:avLst/>
@@ -4167,13 +4294,13 @@
       </p:sp>
       <p:pic>
         <p:nvPicPr>
-          <p:cNvPr id="1031" name="Picture 7"/>
+          <p:cNvPr id="1026" name="Picture 2"/>
           <p:cNvPicPr>
             <a:picLocks noChangeAspect="1" noChangeArrowheads="1"/>
           </p:cNvPicPr>
           <p:nvPr/>
         </p:nvPicPr>
-        <p:blipFill>
+        <p:blipFill rotWithShape="1">
           <a:blip r:embed="rId2">
             <a:extLst>
               <a:ext uri="{28A0092B-C50C-407E-A947-70E740481C1C}">
@@ -4181,15 +4308,13 @@
               </a:ext>
             </a:extLst>
           </a:blip>
-          <a:srcRect/>
-          <a:stretch>
-            <a:fillRect/>
-          </a:stretch>
+          <a:srcRect t="1984"/>
+          <a:stretch/>
         </p:blipFill>
         <p:spPr bwMode="auto">
           <a:xfrm>
-            <a:off x="2137073" y="837154"/>
-            <a:ext cx="4536503" cy="5747021"/>
+            <a:off x="2411760" y="980728"/>
+            <a:ext cx="4721858" cy="5504656"/>
           </a:xfrm>
           <a:prstGeom prst="rect">
             <a:avLst/>
@@ -4256,16 +4381,59 @@
           <a:chExt cx="0" cy="0"/>
         </a:xfrm>
       </p:grpSpPr>
+      <p:sp>
+        <p:nvSpPr>
+          <p:cNvPr id="5" name="Прямоугольник 4"/>
+          <p:cNvSpPr/>
+          <p:nvPr/>
+        </p:nvSpPr>
+        <p:spPr>
+          <a:xfrm>
+            <a:off x="1331640" y="260648"/>
+            <a:ext cx="6514797" cy="461665"/>
+          </a:xfrm>
+          <a:prstGeom prst="rect">
+            <a:avLst/>
+          </a:prstGeom>
+        </p:spPr>
+        <p:txBody>
+          <a:bodyPr wrap="none">
+            <a:spAutoFit/>
+          </a:bodyPr>
+          <a:lstStyle/>
+          <a:p>
+            <a:r>
+              <a:rPr lang="ru-RU" sz="2400" dirty="0" smtClean="0">
+                <a:solidFill>
+                  <a:schemeClr val="bg1"/>
+                </a:solidFill>
+              </a:rPr>
+              <a:t>Диаграмма компонентов уровня представления</a:t>
+            </a:r>
+            <a:endParaRPr lang="ru-RU" sz="2400" dirty="0">
+              <a:solidFill>
+                <a:schemeClr val="bg1"/>
+              </a:solidFill>
+            </a:endParaRPr>
+          </a:p>
+        </p:txBody>
+      </p:sp>
       <p:pic>
         <p:nvPicPr>
-          <p:cNvPr id="2" name="Picture 2" descr="C:\Users\Maxim\Desktop\Курач РПС\диаграмма классов уровня представления.png"/>
+          <p:cNvPr id="5122" name="Picture 2" descr="https://pp.userapi.com/c824201/v824201268/505a7/rLBjNBuHSnk.jpg"/>
           <p:cNvPicPr>
             <a:picLocks noChangeAspect="1" noChangeArrowheads="1"/>
           </p:cNvPicPr>
           <p:nvPr/>
         </p:nvPicPr>
         <p:blipFill>
-          <a:blip r:embed="rId2" cstate="print"/>
+          <a:blip r:embed="rId2">
+            <a:extLst>
+              <a:ext uri="{28A0092B-C50C-407E-A947-70E740481C1C}">
+                <a14:useLocalDpi xmlns:a14="http://schemas.microsoft.com/office/drawing/2010/main" val="0"/>
+              </a:ext>
+            </a:extLst>
+          </a:blip>
           <a:srcRect/>
           <a:stretch>
             <a:fillRect/>
@@ -4273,52 +4441,24 @@
         </p:blipFill>
         <p:spPr bwMode="auto">
           <a:xfrm>
-            <a:off x="1328738" y="781050"/>
-            <a:ext cx="6486525" cy="5295900"/>
+            <a:off x="1780593" y="854596"/>
+            <a:ext cx="5616890" cy="5832648"/>
           </a:xfrm>
           <a:prstGeom prst="rect">
             <a:avLst/>
           </a:prstGeom>
           <a:noFill/>
+          <a:extLst>
+            <a:ext uri="{909E8E84-426E-40DD-AFC4-6F175D3DCCD1}">
+              <a14:hiddenFill xmlns:a14="http://schemas.microsoft.com/office/drawing/2010/main">
+                <a:solidFill>
+                  <a:srgbClr val="FFFFFF"/>
+                </a:solidFill>
+              </a14:hiddenFill>
+            </a:ext>
+          </a:extLst>
         </p:spPr>
       </p:pic>
-      <p:sp>
-        <p:nvSpPr>
-          <p:cNvPr id="5" name="Прямоугольник 4"/>
-          <p:cNvSpPr/>
-          <p:nvPr/>
-        </p:nvSpPr>
-        <p:spPr>
-          <a:xfrm>
-            <a:off x="1331640" y="260648"/>
-            <a:ext cx="6514797" cy="461665"/>
-          </a:xfrm>
-          <a:prstGeom prst="rect">
-            <a:avLst/>
-          </a:prstGeom>
-        </p:spPr>
-        <p:txBody>
-          <a:bodyPr wrap="none">
-            <a:spAutoFit/>
-          </a:bodyPr>
-          <a:lstStyle/>
-          <a:p>
-            <a:r>
-              <a:rPr lang="ru-RU" sz="2400" dirty="0" smtClean="0">
-                <a:solidFill>
-                  <a:schemeClr val="bg1"/>
-                </a:solidFill>
-              </a:rPr>
-              <a:t>Диаграмма компонентов уровня представления</a:t>
-            </a:r>
-            <a:endParaRPr lang="ru-RU" sz="2400" dirty="0">
-              <a:solidFill>
-                <a:schemeClr val="bg1"/>
-              </a:solidFill>
-            </a:endParaRPr>
-          </a:p>
-        </p:txBody>
-      </p:sp>
     </p:spTree>
   </p:cSld>
   <p:clrMapOvr>
@@ -4351,16 +4491,60 @@
           <a:chExt cx="0" cy="0"/>
         </a:xfrm>
       </p:grpSpPr>
+      <p:sp>
+        <p:nvSpPr>
+          <p:cNvPr id="5" name="TextBox 4"/>
+          <p:cNvSpPr txBox="1"/>
+          <p:nvPr/>
+        </p:nvSpPr>
+        <p:spPr>
+          <a:xfrm>
+            <a:off x="2627784" y="332656"/>
+            <a:ext cx="4596130" cy="646331"/>
+          </a:xfrm>
+          <a:prstGeom prst="rect">
+            <a:avLst/>
+          </a:prstGeom>
+          <a:noFill/>
+        </p:spPr>
+        <p:txBody>
+          <a:bodyPr wrap="none" rtlCol="0">
+            <a:spAutoFit/>
+          </a:bodyPr>
+          <a:lstStyle/>
+          <a:p>
+            <a:r>
+              <a:rPr lang="ru-RU" sz="3600" dirty="0" smtClean="0">
+                <a:solidFill>
+                  <a:schemeClr val="bg1"/>
+                </a:solidFill>
+              </a:rPr>
+              <a:t>Диаграмма навигации</a:t>
+            </a:r>
+            <a:endParaRPr lang="ru-RU" sz="3600" dirty="0">
+              <a:solidFill>
+                <a:schemeClr val="bg1"/>
+              </a:solidFill>
+            </a:endParaRPr>
+          </a:p>
+        </p:txBody>
+      </p:sp>
       <p:pic>
         <p:nvPicPr>
-          <p:cNvPr id="1026" name="Picture 2" descr="C:\Users\Maxim\Desktop\Курач РПС\Диаграмма навигации.png"/>
+          <p:cNvPr id="3074" name="Picture 2" descr="https://pp.userapi.com/c824201/v824201268/5057c/Oy5mIXy_XVs.jpg"/>
           <p:cNvPicPr>
             <a:picLocks noChangeAspect="1" noChangeArrowheads="1"/>
           </p:cNvPicPr>
           <p:nvPr/>
         </p:nvPicPr>
         <p:blipFill>
-          <a:blip r:embed="rId2" cstate="print"/>
+          <a:blip r:embed="rId2">
+            <a:extLst>
+              <a:ext uri="{28A0092B-C50C-407E-A947-70E740481C1C}">
+                <a14:useLocalDpi xmlns:a14="http://schemas.microsoft.com/office/drawing/2010/main" val="0"/>
+              </a:ext>
+            </a:extLst>
+          </a:blip>
           <a:srcRect/>
           <a:stretch>
             <a:fillRect/>
@@ -4368,53 +4552,24 @@
         </p:blipFill>
         <p:spPr bwMode="auto">
           <a:xfrm>
-            <a:off x="2339752" y="1340768"/>
-            <a:ext cx="5154877" cy="5022701"/>
+            <a:off x="2066316" y="1028219"/>
+            <a:ext cx="5719065" cy="5564705"/>
           </a:xfrm>
           <a:prstGeom prst="rect">
             <a:avLst/>
           </a:prstGeom>
           <a:noFill/>
+          <a:extLst>
+            <a:ext uri="{909E8E84-426E-40DD-AFC4-6F175D3DCCD1}">
+              <a14:hiddenFill xmlns:a14="http://schemas.microsoft.com/office/drawing/2010/main">
+                <a:solidFill>
+                  <a:srgbClr val="FFFFFF"/>
+                </a:solidFill>
+              </a14:hiddenFill>
+            </a:ext>
+          </a:extLst>
         </p:spPr>
       </p:pic>
-      <p:sp>
-        <p:nvSpPr>
-          <p:cNvPr id="5" name="TextBox 4"/>
-          <p:cNvSpPr txBox="1"/>
-          <p:nvPr/>
-        </p:nvSpPr>
-        <p:spPr>
-          <a:xfrm>
-            <a:off x="2627784" y="332656"/>
-            <a:ext cx="4596130" cy="646331"/>
-          </a:xfrm>
-          <a:prstGeom prst="rect">
-            <a:avLst/>
-          </a:prstGeom>
-          <a:noFill/>
-        </p:spPr>
-        <p:txBody>
-          <a:bodyPr wrap="none" rtlCol="0">
-            <a:spAutoFit/>
-          </a:bodyPr>
-          <a:lstStyle/>
-          <a:p>
-            <a:r>
-              <a:rPr lang="ru-RU" sz="3600" dirty="0" smtClean="0">
-                <a:solidFill>
-                  <a:schemeClr val="bg1"/>
-                </a:solidFill>
-              </a:rPr>
-              <a:t>Диаграмма навигации</a:t>
-            </a:r>
-            <a:endParaRPr lang="ru-RU" sz="3600" dirty="0">
-              <a:solidFill>
-                <a:schemeClr val="bg1"/>
-              </a:solidFill>
-            </a:endParaRPr>
-          </a:p>
-        </p:txBody>
-      </p:sp>
     </p:spTree>
   </p:cSld>
   <p:clrMapOvr>
@@ -4640,7 +4795,7 @@
       </p:sp>
       <p:pic>
         <p:nvPicPr>
-          <p:cNvPr id="20482" name="Picture 2" descr="C:\Users\Maxim\Desktop\Курач РПС\Диаграмма классов-компонентов доступа к данным.png"/>
+          <p:cNvPr id="7169" name="Picture 1" descr="C:\Users\Maxim\Desktop\Курач РПС\Диаграмма классов-компонентов доступа к данным.png"/>
           <p:cNvPicPr>
             <a:picLocks noChangeAspect="1" noChangeArrowheads="1"/>
           </p:cNvPicPr>
@@ -4655,8 +4810,8 @@
         </p:blipFill>
         <p:spPr bwMode="auto">
           <a:xfrm>
-            <a:off x="1475656" y="1700808"/>
-            <a:ext cx="6486525" cy="3543300"/>
+            <a:off x="1328738" y="1662113"/>
+            <a:ext cx="6486525" cy="3533775"/>
           </a:xfrm>
           <a:prstGeom prst="rect">
             <a:avLst/>
